--- a/Powerpoint/Module10-ControllerScripts.pptx
+++ b/Powerpoint/Module10-ControllerScripts.pptx
@@ -109,6 +109,22 @@
       </a:defRPr>
     </a:lvl9pPr>
   </p:defaultTextStyle>
+  <p:extLst>
+    <p:ext uri="{EFAFB233-063F-42B5-8137-9DF3F51BA10A}">
+      <p15:sldGuideLst xmlns:p15="http://schemas.microsoft.com/office/powerpoint/2012/main">
+        <p15:guide id="1" orient="horz" pos="2160">
+          <p15:clr>
+            <a:srgbClr val="A4A3A4"/>
+          </p15:clr>
+        </p15:guide>
+        <p15:guide id="2" pos="2880">
+          <p15:clr>
+            <a:srgbClr val="A4A3A4"/>
+          </p15:clr>
+        </p15:guide>
+      </p15:sldGuideLst>
+    </p:ext>
+  </p:extLst>
 </p:presentation>
 </file>
 
@@ -156,7 +172,7 @@
           </a:lstStyle>
           <a:p>
             <a:r>
-              <a:rPr lang="en-US" smtClean="0"/>
+              <a:rPr lang="en-US"/>
               <a:t>Click to edit Master title style</a:t>
             </a:r>
             <a:endParaRPr lang="en-US" dirty="0"/>
@@ -276,7 +292,7 @@
           </a:lstStyle>
           <a:p>
             <a:r>
-              <a:rPr lang="en-US" smtClean="0"/>
+              <a:rPr lang="en-US"/>
               <a:t>Click to edit Master subtitle style</a:t>
             </a:r>
             <a:endParaRPr lang="en-US" dirty="0"/>
@@ -389,10 +405,9 @@
           <a:lstStyle/>
           <a:p>
             <a:r>
-              <a:rPr lang="en-US" smtClean="0"/>
+              <a:rPr lang="en-US"/>
               <a:t>Click to edit Master title style</a:t>
             </a:r>
-            <a:endParaRPr lang="en-US"/>
           </a:p>
         </p:txBody>
       </p:sp>
@@ -413,38 +428,37 @@
           <a:p>
             <a:pPr lvl="0"/>
             <a:r>
-              <a:rPr lang="en-US" smtClean="0"/>
+              <a:rPr lang="en-US"/>
               <a:t>Click to edit Master text styles</a:t>
             </a:r>
           </a:p>
           <a:p>
             <a:pPr lvl="1"/>
             <a:r>
-              <a:rPr lang="en-US" smtClean="0"/>
+              <a:rPr lang="en-US"/>
               <a:t>Second level</a:t>
             </a:r>
           </a:p>
           <a:p>
             <a:pPr lvl="2"/>
             <a:r>
-              <a:rPr lang="en-US" smtClean="0"/>
+              <a:rPr lang="en-US"/>
               <a:t>Third level</a:t>
             </a:r>
           </a:p>
           <a:p>
             <a:pPr lvl="3"/>
             <a:r>
-              <a:rPr lang="en-US" smtClean="0"/>
+              <a:rPr lang="en-US"/>
               <a:t>Fourth level</a:t>
             </a:r>
           </a:p>
           <a:p>
             <a:pPr lvl="4"/>
             <a:r>
-              <a:rPr lang="en-US" smtClean="0"/>
+              <a:rPr lang="en-US"/>
               <a:t>Fifth level</a:t>
             </a:r>
-            <a:endParaRPr lang="en-US"/>
           </a:p>
         </p:txBody>
       </p:sp>
@@ -482,10 +496,9 @@
           </a:lstStyle>
           <a:p>
             <a:r>
-              <a:rPr lang="en-US" dirty="0" smtClean="0"/>
+              <a:rPr lang="en-US" dirty="0"/>
               <a:t>©Concentrated Technology</a:t>
             </a:r>
-            <a:endParaRPr lang="en-US" dirty="0"/>
           </a:p>
         </p:txBody>
       </p:sp>
@@ -546,7 +559,7 @@
           </a:lstStyle>
           <a:p>
             <a:r>
-              <a:rPr lang="en-US" smtClean="0"/>
+              <a:rPr lang="en-US"/>
               <a:t>Click to edit Master title style</a:t>
             </a:r>
             <a:endParaRPr lang="en-US" dirty="0"/>
@@ -666,7 +679,7 @@
           <a:p>
             <a:pPr lvl="0"/>
             <a:r>
-              <a:rPr lang="en-US" smtClean="0"/>
+              <a:rPr lang="en-US"/>
               <a:t>Click to edit Master text styles</a:t>
             </a:r>
           </a:p>
@@ -741,10 +754,9 @@
           </a:lstStyle>
           <a:p>
             <a:r>
-              <a:rPr lang="en-US" dirty="0" smtClean="0"/>
+              <a:rPr lang="en-US" dirty="0"/>
               <a:t>©Concentrated Technology</a:t>
             </a:r>
-            <a:endParaRPr lang="en-US" dirty="0"/>
           </a:p>
         </p:txBody>
       </p:sp>
@@ -789,10 +801,9 @@
           <a:lstStyle/>
           <a:p>
             <a:r>
-              <a:rPr lang="en-US" smtClean="0"/>
+              <a:rPr lang="en-US"/>
               <a:t>Click to edit Master title style</a:t>
             </a:r>
-            <a:endParaRPr lang="en-US"/>
           </a:p>
         </p:txBody>
       </p:sp>
@@ -846,35 +857,35 @@
           <a:p>
             <a:pPr lvl="0"/>
             <a:r>
-              <a:rPr lang="en-US" smtClean="0"/>
+              <a:rPr lang="en-US"/>
               <a:t>Click to edit Master text styles</a:t>
             </a:r>
           </a:p>
           <a:p>
             <a:pPr lvl="1"/>
             <a:r>
-              <a:rPr lang="en-US" smtClean="0"/>
+              <a:rPr lang="en-US"/>
               <a:t>Second level</a:t>
             </a:r>
           </a:p>
           <a:p>
             <a:pPr lvl="2"/>
             <a:r>
-              <a:rPr lang="en-US" smtClean="0"/>
+              <a:rPr lang="en-US"/>
               <a:t>Third level</a:t>
             </a:r>
           </a:p>
           <a:p>
             <a:pPr lvl="3"/>
             <a:r>
-              <a:rPr lang="en-US" smtClean="0"/>
+              <a:rPr lang="en-US"/>
               <a:t>Fourth level</a:t>
             </a:r>
           </a:p>
           <a:p>
             <a:pPr lvl="4"/>
             <a:r>
-              <a:rPr lang="en-US" smtClean="0"/>
+              <a:rPr lang="en-US"/>
               <a:t>Fifth level</a:t>
             </a:r>
             <a:endParaRPr lang="en-US" dirty="0"/>
@@ -931,35 +942,35 @@
           <a:p>
             <a:pPr lvl="0"/>
             <a:r>
-              <a:rPr lang="en-US" smtClean="0"/>
+              <a:rPr lang="en-US"/>
               <a:t>Click to edit Master text styles</a:t>
             </a:r>
           </a:p>
           <a:p>
             <a:pPr lvl="1"/>
             <a:r>
-              <a:rPr lang="en-US" smtClean="0"/>
+              <a:rPr lang="en-US"/>
               <a:t>Second level</a:t>
             </a:r>
           </a:p>
           <a:p>
             <a:pPr lvl="2"/>
             <a:r>
-              <a:rPr lang="en-US" smtClean="0"/>
+              <a:rPr lang="en-US"/>
               <a:t>Third level</a:t>
             </a:r>
           </a:p>
           <a:p>
             <a:pPr lvl="3"/>
             <a:r>
-              <a:rPr lang="en-US" smtClean="0"/>
+              <a:rPr lang="en-US"/>
               <a:t>Fourth level</a:t>
             </a:r>
           </a:p>
           <a:p>
             <a:pPr lvl="4"/>
             <a:r>
-              <a:rPr lang="en-US" smtClean="0"/>
+              <a:rPr lang="en-US"/>
               <a:t>Fifth level</a:t>
             </a:r>
             <a:endParaRPr lang="en-US" dirty="0"/>
@@ -1000,10 +1011,9 @@
           </a:lstStyle>
           <a:p>
             <a:r>
-              <a:rPr lang="en-US" dirty="0" smtClean="0"/>
+              <a:rPr lang="en-US" dirty="0"/>
               <a:t>©Concentrated Technology</a:t>
             </a:r>
-            <a:endParaRPr lang="en-US" dirty="0"/>
           </a:p>
         </p:txBody>
       </p:sp>
@@ -1052,7 +1062,7 @@
           </a:lstStyle>
           <a:p>
             <a:r>
-              <a:rPr lang="en-US" smtClean="0"/>
+              <a:rPr lang="en-US"/>
               <a:t>Click to edit Master title style</a:t>
             </a:r>
             <a:endParaRPr lang="en-US" dirty="0"/>
@@ -1141,7 +1151,7 @@
           <a:p>
             <a:pPr lvl="0"/>
             <a:r>
-              <a:rPr lang="en-US" smtClean="0"/>
+              <a:rPr lang="en-US"/>
               <a:t>Click to edit Master text styles</a:t>
             </a:r>
           </a:p>
@@ -1197,35 +1207,35 @@
           <a:p>
             <a:pPr lvl="0"/>
             <a:r>
-              <a:rPr lang="en-US" smtClean="0"/>
+              <a:rPr lang="en-US"/>
               <a:t>Click to edit Master text styles</a:t>
             </a:r>
           </a:p>
           <a:p>
             <a:pPr lvl="1"/>
             <a:r>
-              <a:rPr lang="en-US" smtClean="0"/>
+              <a:rPr lang="en-US"/>
               <a:t>Second level</a:t>
             </a:r>
           </a:p>
           <a:p>
             <a:pPr lvl="2"/>
             <a:r>
-              <a:rPr lang="en-US" smtClean="0"/>
+              <a:rPr lang="en-US"/>
               <a:t>Third level</a:t>
             </a:r>
           </a:p>
           <a:p>
             <a:pPr lvl="3"/>
             <a:r>
-              <a:rPr lang="en-US" smtClean="0"/>
+              <a:rPr lang="en-US"/>
               <a:t>Fourth level</a:t>
             </a:r>
           </a:p>
           <a:p>
             <a:pPr lvl="4"/>
             <a:r>
-              <a:rPr lang="en-US" smtClean="0"/>
+              <a:rPr lang="en-US"/>
               <a:t>Fifth level</a:t>
             </a:r>
             <a:endParaRPr lang="en-US" dirty="0"/>
@@ -1317,7 +1327,7 @@
           <a:p>
             <a:pPr lvl="0"/>
             <a:r>
-              <a:rPr lang="en-US" smtClean="0"/>
+              <a:rPr lang="en-US"/>
               <a:t>Click to edit Master text styles</a:t>
             </a:r>
           </a:p>
@@ -1373,35 +1383,35 @@
           <a:p>
             <a:pPr lvl="0"/>
             <a:r>
-              <a:rPr lang="en-US" smtClean="0"/>
+              <a:rPr lang="en-US"/>
               <a:t>Click to edit Master text styles</a:t>
             </a:r>
           </a:p>
           <a:p>
             <a:pPr lvl="1"/>
             <a:r>
-              <a:rPr lang="en-US" smtClean="0"/>
+              <a:rPr lang="en-US"/>
               <a:t>Second level</a:t>
             </a:r>
           </a:p>
           <a:p>
             <a:pPr lvl="2"/>
             <a:r>
-              <a:rPr lang="en-US" smtClean="0"/>
+              <a:rPr lang="en-US"/>
               <a:t>Third level</a:t>
             </a:r>
           </a:p>
           <a:p>
             <a:pPr lvl="3"/>
             <a:r>
-              <a:rPr lang="en-US" smtClean="0"/>
+              <a:rPr lang="en-US"/>
               <a:t>Fourth level</a:t>
             </a:r>
           </a:p>
           <a:p>
             <a:pPr lvl="4"/>
             <a:r>
-              <a:rPr lang="en-US" smtClean="0"/>
+              <a:rPr lang="en-US"/>
               <a:t>Fifth level</a:t>
             </a:r>
             <a:endParaRPr lang="en-US" dirty="0"/>
@@ -1477,10 +1487,9 @@
           </a:lstStyle>
           <a:p>
             <a:r>
-              <a:rPr lang="en-US" dirty="0" smtClean="0"/>
+              <a:rPr lang="en-US" dirty="0"/>
               <a:t>©Concentrated Technology</a:t>
             </a:r>
-            <a:endParaRPr lang="en-US" dirty="0"/>
           </a:p>
         </p:txBody>
       </p:sp>
@@ -1525,10 +1534,9 @@
           <a:lstStyle/>
           <a:p>
             <a:r>
-              <a:rPr lang="en-US" smtClean="0"/>
+              <a:rPr lang="en-US"/>
               <a:t>Click to edit Master title style</a:t>
             </a:r>
-            <a:endParaRPr lang="en-US"/>
           </a:p>
         </p:txBody>
       </p:sp>
@@ -1566,10 +1574,9 @@
           </a:lstStyle>
           <a:p>
             <a:r>
-              <a:rPr lang="en-US" dirty="0" smtClean="0"/>
+              <a:rPr lang="en-US" dirty="0"/>
               <a:t>©Concentrated Technology</a:t>
             </a:r>
-            <a:endParaRPr lang="en-US" dirty="0"/>
           </a:p>
         </p:txBody>
       </p:sp>
@@ -1650,7 +1657,7 @@
           </a:lstStyle>
           <a:p>
             <a:r>
-              <a:rPr lang="en-US" smtClean="0"/>
+              <a:rPr lang="en-US"/>
               <a:t>Click to edit Master title style</a:t>
             </a:r>
             <a:endParaRPr lang="en-US" dirty="0"/>
@@ -1707,35 +1714,35 @@
           <a:p>
             <a:pPr lvl="0"/>
             <a:r>
-              <a:rPr lang="en-US" smtClean="0"/>
+              <a:rPr lang="en-US"/>
               <a:t>Click to edit Master text styles</a:t>
             </a:r>
           </a:p>
           <a:p>
             <a:pPr lvl="1"/>
             <a:r>
-              <a:rPr lang="en-US" smtClean="0"/>
+              <a:rPr lang="en-US"/>
               <a:t>Second level</a:t>
             </a:r>
           </a:p>
           <a:p>
             <a:pPr lvl="2"/>
             <a:r>
-              <a:rPr lang="en-US" smtClean="0"/>
+              <a:rPr lang="en-US"/>
               <a:t>Third level</a:t>
             </a:r>
           </a:p>
           <a:p>
             <a:pPr lvl="3"/>
             <a:r>
-              <a:rPr lang="en-US" smtClean="0"/>
+              <a:rPr lang="en-US"/>
               <a:t>Fourth level</a:t>
             </a:r>
           </a:p>
           <a:p>
             <a:pPr lvl="4"/>
             <a:r>
-              <a:rPr lang="en-US" smtClean="0"/>
+              <a:rPr lang="en-US"/>
               <a:t>Fifth level</a:t>
             </a:r>
             <a:endParaRPr lang="en-US" dirty="0"/>
@@ -1801,7 +1808,7 @@
           <a:p>
             <a:pPr lvl="0"/>
             <a:r>
-              <a:rPr lang="en-US" smtClean="0"/>
+              <a:rPr lang="en-US"/>
               <a:t>Click to edit Master text styles</a:t>
             </a:r>
           </a:p>
@@ -1876,10 +1883,9 @@
           </a:lstStyle>
           <a:p>
             <a:r>
-              <a:rPr lang="en-US" dirty="0" smtClean="0"/>
+              <a:rPr lang="en-US" dirty="0"/>
               <a:t>©Concentrated Technology</a:t>
             </a:r>
-            <a:endParaRPr lang="en-US" dirty="0"/>
           </a:p>
         </p:txBody>
       </p:sp>
@@ -1935,7 +1941,7 @@
           </a:lstStyle>
           <a:p>
             <a:r>
-              <a:rPr lang="en-US" smtClean="0"/>
+              <a:rPr lang="en-US"/>
               <a:t>Click to edit Master title style</a:t>
             </a:r>
             <a:endParaRPr lang="en-US" dirty="0"/>
@@ -2016,7 +2022,7 @@
           </a:lstStyle>
           <a:p>
             <a:r>
-              <a:rPr lang="en-US" smtClean="0"/>
+              <a:rPr lang="en-US"/>
               <a:t>Drag picture to placeholder or click icon to add</a:t>
             </a:r>
             <a:endParaRPr lang="en-US" dirty="0"/>
@@ -2082,7 +2088,7 @@
           <a:p>
             <a:pPr lvl="0"/>
             <a:r>
-              <a:rPr lang="en-US" smtClean="0"/>
+              <a:rPr lang="en-US"/>
               <a:t>Click to edit Master text styles</a:t>
             </a:r>
           </a:p>
@@ -2122,10 +2128,9 @@
           </a:lstStyle>
           <a:p>
             <a:r>
-              <a:rPr lang="en-US" dirty="0" smtClean="0"/>
+              <a:rPr lang="en-US" dirty="0"/>
               <a:t>©Concentrated Technology</a:t>
             </a:r>
-            <a:endParaRPr lang="en-US" dirty="0"/>
           </a:p>
         </p:txBody>
       </p:sp>
@@ -2231,7 +2236,7 @@
           <a:lstStyle/>
           <a:p>
             <a:r>
-              <a:rPr lang="en-US" smtClean="0"/>
+              <a:rPr lang="en-US"/>
               <a:t>Click to edit Master title style</a:t>
             </a:r>
             <a:endParaRPr lang="en-US" dirty="0"/>
@@ -2265,35 +2270,35 @@
           <a:p>
             <a:pPr lvl="0"/>
             <a:r>
-              <a:rPr lang="en-US" smtClean="0"/>
+              <a:rPr lang="en-US"/>
               <a:t>Click to edit Master text styles</a:t>
             </a:r>
           </a:p>
           <a:p>
             <a:pPr lvl="1"/>
             <a:r>
-              <a:rPr lang="en-US" smtClean="0"/>
+              <a:rPr lang="en-US"/>
               <a:t>Second level</a:t>
             </a:r>
           </a:p>
           <a:p>
             <a:pPr lvl="2"/>
             <a:r>
-              <a:rPr lang="en-US" smtClean="0"/>
+              <a:rPr lang="en-US"/>
               <a:t>Third level</a:t>
             </a:r>
           </a:p>
           <a:p>
             <a:pPr lvl="3"/>
             <a:r>
-              <a:rPr lang="en-US" smtClean="0"/>
+              <a:rPr lang="en-US"/>
               <a:t>Fourth level</a:t>
             </a:r>
           </a:p>
           <a:p>
             <a:pPr lvl="4"/>
             <a:r>
-              <a:rPr lang="en-US" smtClean="0"/>
+              <a:rPr lang="en-US"/>
               <a:t>Fifth level</a:t>
             </a:r>
             <a:endParaRPr lang="en-US" dirty="0"/>
@@ -2380,10 +2385,9 @@
           </a:lstStyle>
           <a:p>
             <a:r>
-              <a:rPr lang="en-US" dirty="0" smtClean="0"/>
+              <a:rPr lang="en-US" dirty="0"/>
               <a:t>©Concentrated Technology</a:t>
             </a:r>
-            <a:endParaRPr lang="en-US" dirty="0"/>
           </a:p>
         </p:txBody>
       </p:sp>
@@ -2723,10 +2727,9 @@
           <a:lstStyle/>
           <a:p>
             <a:r>
-              <a:rPr lang="en-US" dirty="0" smtClean="0"/>
+              <a:rPr lang="en-US" dirty="0"/>
               <a:t>Creating Controller Scripts</a:t>
             </a:r>
-            <a:endParaRPr lang="en-US" dirty="0"/>
           </a:p>
         </p:txBody>
       </p:sp>
@@ -2751,10 +2754,9 @@
           <a:lstStyle/>
           <a:p>
             <a:r>
-              <a:rPr lang="en-US" dirty="0" smtClean="0"/>
+              <a:rPr lang="en-US" dirty="0"/>
               <a:t>Module 10</a:t>
             </a:r>
-            <a:endParaRPr lang="en-US" dirty="0"/>
           </a:p>
         </p:txBody>
       </p:sp>
@@ -2804,10 +2806,9 @@
           <a:lstStyle/>
           <a:p>
             <a:r>
-              <a:rPr lang="en-US" dirty="0" smtClean="0"/>
+              <a:rPr lang="en-US" dirty="0"/>
               <a:t>Designing Controller Scripts</a:t>
             </a:r>
-            <a:endParaRPr lang="en-US" dirty="0"/>
           </a:p>
         </p:txBody>
       </p:sp>
@@ -2827,10 +2828,9 @@
           <a:lstStyle/>
           <a:p>
             <a:r>
-              <a:rPr lang="en-US" dirty="0" smtClean="0"/>
+              <a:rPr lang="en-US" dirty="0"/>
               <a:t>Lesson 1</a:t>
             </a:r>
-            <a:endParaRPr lang="en-US" dirty="0"/>
           </a:p>
         </p:txBody>
       </p:sp>
@@ -2880,10 +2880,9 @@
           <a:lstStyle/>
           <a:p>
             <a:r>
-              <a:rPr lang="en-US" dirty="0" smtClean="0"/>
+              <a:rPr lang="en-US" dirty="0"/>
               <a:t>Controller Scripts for Processes</a:t>
             </a:r>
-            <a:endParaRPr lang="en-US" dirty="0"/>
           </a:p>
         </p:txBody>
       </p:sp>
@@ -2922,25 +2921,18 @@
               <a:rPr lang="en-US" dirty="0"/>
               <a:t> does not. </a:t>
             </a:r>
-            <a:endParaRPr lang="en-US" dirty="0" smtClean="0"/>
-          </a:p>
-          <a:p>
-            <a:r>
-              <a:rPr lang="en-US" dirty="0" smtClean="0"/>
-              <a:t>A </a:t>
-            </a:r>
+          </a:p>
+          <a:p>
             <a:r>
               <a:rPr lang="en-US" dirty="0"/>
-              <a:t>controller script may well display user interface elements, like dialog boxes or menus. </a:t>
-            </a:r>
-            <a:endParaRPr lang="en-US" dirty="0" smtClean="0"/>
+              <a:t>A controller script may well display user interface elements, like dialog boxes or menus. </a:t>
+            </a:r>
           </a:p>
           <a:p>
             <a:r>
               <a:rPr lang="en-US" dirty="0"/>
               <a:t>Controller scripts will not often use cmdlet-style, verb-noun file names. Instead, their filenames should clearly reflect what they do, such as “Provision New User.ps1.” </a:t>
             </a:r>
-            <a:endParaRPr lang="en-US" dirty="0" smtClean="0"/>
           </a:p>
           <a:p>
             <a:r>
@@ -2955,11 +2947,10 @@
               <a:rPr lang="en-US" dirty="0"/>
               <a:t> clearly document their dependencies, and should explicitly import whatever modules they require. </a:t>
             </a:r>
-            <a:endParaRPr lang="en-US" dirty="0" smtClean="0"/>
-          </a:p>
-          <a:p>
-            <a:r>
-              <a:rPr lang="en-US" dirty="0" smtClean="0"/>
+          </a:p>
+          <a:p>
+            <a:r>
+              <a:rPr lang="en-US" dirty="0"/>
               <a:t>See example for simple controller script.</a:t>
             </a:r>
           </a:p>
@@ -3046,17 +3037,16 @@
           <a:lstStyle/>
           <a:p>
             <a:r>
-              <a:rPr lang="en-US" dirty="0" smtClean="0"/>
+              <a:rPr lang="en-US" dirty="0"/>
               <a:t>Controller Scripts for User </a:t>
             </a:r>
             <a:br>
-              <a:rPr lang="en-US" dirty="0" smtClean="0"/>
+              <a:rPr lang="en-US" dirty="0"/>
             </a:br>
             <a:r>
-              <a:rPr lang="en-US" dirty="0" smtClean="0"/>
+              <a:rPr lang="en-US" dirty="0"/>
               <a:t>Interface</a:t>
             </a:r>
-            <a:endParaRPr lang="en-US" dirty="0"/>
           </a:p>
         </p:txBody>
       </p:sp>
@@ -3084,7 +3074,6 @@
               <a:rPr lang="en-US" dirty="0"/>
               <a:t>Other controller scripts may be primarily intended to present a user interface to less technical users, who might not be comfortable running tools directly. </a:t>
             </a:r>
-            <a:endParaRPr lang="en-US" dirty="0" smtClean="0"/>
           </a:p>
         </p:txBody>
       </p:sp>
@@ -3205,10 +3194,9 @@
           <a:p>
             <a:pPr algn="ctr"/>
             <a:r>
-              <a:rPr lang="en-US" dirty="0" smtClean="0"/>
+              <a:rPr lang="en-US" dirty="0"/>
               <a:t>Lab A</a:t>
             </a:r>
-            <a:endParaRPr lang="en-US" dirty="0"/>
           </a:p>
         </p:txBody>
       </p:sp>
@@ -3254,7 +3242,7 @@
           <a:p>
             <a:pPr algn="ctr"/>
             <a:r>
-              <a:rPr lang="en-US" dirty="0" smtClean="0"/>
+              <a:rPr lang="en-US" dirty="0"/>
               <a:t>30 Minutes</a:t>
             </a:r>
           </a:p>
@@ -3265,21 +3253,21 @@
           <a:p>
             <a:pPr algn="ctr"/>
             <a:r>
-              <a:rPr lang="en-US" b="1" dirty="0" smtClean="0"/>
+              <a:rPr lang="en-US" b="1" dirty="0"/>
               <a:t>CLIENT</a:t>
             </a:r>
           </a:p>
           <a:p>
             <a:pPr algn="ctr"/>
             <a:r>
-              <a:rPr lang="en-US" b="1" dirty="0" smtClean="0"/>
+              <a:rPr lang="en-US" b="1" dirty="0"/>
               <a:t>MEMBER</a:t>
             </a:r>
           </a:p>
           <a:p>
             <a:pPr algn="ctr"/>
             <a:r>
-              <a:rPr lang="en-US" b="1" dirty="0" smtClean="0"/>
+              <a:rPr lang="en-US" b="1" dirty="0"/>
               <a:t>DC</a:t>
             </a:r>
           </a:p>
@@ -3290,17 +3278,16 @@
           <a:p>
             <a:pPr algn="ctr"/>
             <a:r>
-              <a:rPr lang="en-US" b="1" dirty="0" smtClean="0"/>
+              <a:rPr lang="en-US" b="1" dirty="0"/>
               <a:t>Administrator</a:t>
             </a:r>
             <a:br>
-              <a:rPr lang="en-US" b="1" dirty="0" smtClean="0"/>
+              <a:rPr lang="en-US" b="1" dirty="0"/>
             </a:br>
             <a:r>
-              <a:rPr lang="en-US" b="1" dirty="0" smtClean="0"/>
+              <a:rPr lang="en-US" b="1" dirty="0"/>
               <a:t>P@ssw0rd</a:t>
             </a:r>
-            <a:endParaRPr lang="en-US" b="1" dirty="0"/>
           </a:p>
         </p:txBody>
       </p:sp>
@@ -3380,10 +3367,9 @@
           <a:lstStyle/>
           <a:p>
             <a:r>
-              <a:rPr lang="en-US" dirty="0" smtClean="0"/>
+              <a:rPr lang="en-US" dirty="0"/>
               <a:t>Conclusion</a:t>
             </a:r>
-            <a:endParaRPr lang="en-US" dirty="0"/>
           </a:p>
         </p:txBody>
       </p:sp>
@@ -3414,11 +3400,10 @@
               <a:rPr lang="en-US" dirty="0"/>
               <a:t> that you’ve already learned to create. </a:t>
             </a:r>
-            <a:endParaRPr lang="en-US" dirty="0" smtClean="0"/>
-          </a:p>
-          <a:p>
-            <a:r>
-              <a:rPr lang="en-US" smtClean="0"/>
+          </a:p>
+          <a:p>
+            <a:r>
+              <a:rPr lang="en-US"/>
               <a:t>Controller </a:t>
             </a:r>
             <a:r>
@@ -3429,11 +3414,10 @@
               <a:rPr lang="en-US"/>
               <a:t>. </a:t>
             </a:r>
-            <a:endParaRPr lang="en-US" smtClean="0"/>
-          </a:p>
-          <a:p>
-            <a:r>
-              <a:rPr lang="en-US" smtClean="0"/>
+          </a:p>
+          <a:p>
+            <a:r>
+              <a:rPr lang="en-US"/>
               <a:t>In </a:t>
             </a:r>
             <a:r>
